--- a/Kishan Bhandu.pptx
+++ b/Kishan Bhandu.pptx
@@ -13600,6 +13600,13 @@
   <p:clrMapOvr>
     <a:masterClrMapping/>
   </p:clrMapOvr>
+  <p:timing>
+    <p:tnLst>
+      <p:par>
+        <p:cTn id="1" dur="indefinite" restart="never" nodeType="tmRoot"/>
+      </p:par>
+    </p:tnLst>
+  </p:timing>
 </p:sld>
 </file>
 
@@ -13734,6 +13741,13 @@
   <p:clrMapOvr>
     <a:masterClrMapping/>
   </p:clrMapOvr>
+  <p:timing>
+    <p:tnLst>
+      <p:par>
+        <p:cTn id="1" dur="indefinite" restart="never" nodeType="tmRoot"/>
+      </p:par>
+    </p:tnLst>
+  </p:timing>
 </p:sld>
 </file>
 
@@ -13754,234 +13768,6 @@
           <a:chExt cx="0" cy="0"/>
         </a:xfrm>
       </p:grpSpPr>
-      <p:sp>
-        <p:nvSpPr>
-          <p:cNvPr id="176" name="Google Shape;176;p22"/>
-          <p:cNvSpPr txBox="1">
-            <a:spLocks noGrp="1"/>
-          </p:cNvSpPr>
-          <p:nvPr>
-            <p:ph type="title"/>
-          </p:nvPr>
-        </p:nvSpPr>
-        <p:spPr>
-          <a:xfrm>
-            <a:off x="3822000" y="893225"/>
-            <a:ext cx="4864800" cy="690900"/>
-          </a:xfrm>
-          <a:prstGeom prst="rect">
-            <a:avLst/>
-          </a:prstGeom>
-        </p:spPr>
-        <p:txBody>
-          <a:bodyPr spcFirstLastPara="1" wrap="square" lIns="91425" tIns="91425" rIns="91425" bIns="91425" anchor="b" anchorCtr="0">
-            <a:noAutofit/>
-          </a:bodyPr>
-          <a:lstStyle/>
-          <a:p>
-            <a:pPr marL="0" lvl="0" indent="0" algn="l" rtl="0">
-              <a:spcBef>
-                <a:spcPts val="0"/>
-              </a:spcBef>
-              <a:spcAft>
-                <a:spcPts val="0"/>
-              </a:spcAft>
-              <a:buNone/>
-            </a:pPr>
-            <a:r>
-              <a:rPr lang="en"/>
-              <a:t>In two or three columns</a:t>
-            </a:r>
-            <a:endParaRPr/>
-          </a:p>
-        </p:txBody>
-      </p:sp>
-      <p:sp>
-        <p:nvSpPr>
-          <p:cNvPr id="177" name="Google Shape;177;p22"/>
-          <p:cNvSpPr txBox="1">
-            <a:spLocks noGrp="1"/>
-          </p:cNvSpPr>
-          <p:nvPr>
-            <p:ph type="body" idx="1"/>
-          </p:nvPr>
-        </p:nvSpPr>
-        <p:spPr>
-          <a:xfrm>
-            <a:off x="3822000" y="1777175"/>
-            <a:ext cx="1547400" cy="2996400"/>
-          </a:xfrm>
-          <a:prstGeom prst="rect">
-            <a:avLst/>
-          </a:prstGeom>
-        </p:spPr>
-        <p:txBody>
-          <a:bodyPr spcFirstLastPara="1" wrap="square" lIns="91425" tIns="91425" rIns="91425" bIns="91425" anchor="t" anchorCtr="0">
-            <a:noAutofit/>
-          </a:bodyPr>
-          <a:lstStyle/>
-          <a:p>
-            <a:pPr marL="0" lvl="0" indent="0" algn="l" rtl="0">
-              <a:spcBef>
-                <a:spcPts val="600"/>
-              </a:spcBef>
-              <a:spcAft>
-                <a:spcPts val="0"/>
-              </a:spcAft>
-              <a:buNone/>
-            </a:pPr>
-            <a:r>
-              <a:rPr lang="en" b="1"/>
-              <a:t>Yellow</a:t>
-            </a:r>
-            <a:endParaRPr b="1"/>
-          </a:p>
-          <a:p>
-            <a:pPr marL="0" lvl="0" indent="0" algn="l" rtl="0">
-              <a:spcBef>
-                <a:spcPts val="600"/>
-              </a:spcBef>
-              <a:spcAft>
-                <a:spcPts val="0"/>
-              </a:spcAft>
-              <a:buNone/>
-            </a:pPr>
-            <a:r>
-              <a:rPr lang="en"/>
-              <a:t>Is the color of gold, butter and ripe lemons. In the spectrum of visible light, yellow is found between green and orange.</a:t>
-            </a:r>
-            <a:endParaRPr/>
-          </a:p>
-        </p:txBody>
-      </p:sp>
-      <p:sp>
-        <p:nvSpPr>
-          <p:cNvPr id="178" name="Google Shape;178;p22"/>
-          <p:cNvSpPr txBox="1">
-            <a:spLocks noGrp="1"/>
-          </p:cNvSpPr>
-          <p:nvPr>
-            <p:ph type="body" idx="2"/>
-          </p:nvPr>
-        </p:nvSpPr>
-        <p:spPr>
-          <a:xfrm>
-            <a:off x="5448638" y="1777175"/>
-            <a:ext cx="1547400" cy="2996400"/>
-          </a:xfrm>
-          <a:prstGeom prst="rect">
-            <a:avLst/>
-          </a:prstGeom>
-        </p:spPr>
-        <p:txBody>
-          <a:bodyPr spcFirstLastPara="1" wrap="square" lIns="91425" tIns="91425" rIns="91425" bIns="91425" anchor="t" anchorCtr="0">
-            <a:noAutofit/>
-          </a:bodyPr>
-          <a:lstStyle/>
-          <a:p>
-            <a:pPr marL="0" lvl="0" indent="0" algn="l" rtl="0">
-              <a:spcBef>
-                <a:spcPts val="600"/>
-              </a:spcBef>
-              <a:spcAft>
-                <a:spcPts val="0"/>
-              </a:spcAft>
-              <a:buNone/>
-            </a:pPr>
-            <a:r>
-              <a:rPr lang="en" b="1"/>
-              <a:t>Blue</a:t>
-            </a:r>
-            <a:endParaRPr b="1"/>
-          </a:p>
-          <a:p>
-            <a:pPr marL="0" lvl="0" indent="0" algn="l" rtl="0">
-              <a:spcBef>
-                <a:spcPts val="600"/>
-              </a:spcBef>
-              <a:spcAft>
-                <a:spcPts val="0"/>
-              </a:spcAft>
-              <a:buNone/>
-            </a:pPr>
-            <a:r>
-              <a:rPr lang="en"/>
-              <a:t>Is the colour of the clear sky and the deep sea. It is located between violet and green on the optical spectrum.</a:t>
-            </a:r>
-            <a:endParaRPr/>
-          </a:p>
-        </p:txBody>
-      </p:sp>
-      <p:sp>
-        <p:nvSpPr>
-          <p:cNvPr id="179" name="Google Shape;179;p22"/>
-          <p:cNvSpPr txBox="1">
-            <a:spLocks noGrp="1"/>
-          </p:cNvSpPr>
-          <p:nvPr>
-            <p:ph type="body" idx="3"/>
-          </p:nvPr>
-        </p:nvSpPr>
-        <p:spPr>
-          <a:xfrm>
-            <a:off x="7075276" y="1777175"/>
-            <a:ext cx="1547400" cy="2996400"/>
-          </a:xfrm>
-          <a:prstGeom prst="rect">
-            <a:avLst/>
-          </a:prstGeom>
-        </p:spPr>
-        <p:txBody>
-          <a:bodyPr spcFirstLastPara="1" wrap="square" lIns="91425" tIns="91425" rIns="91425" bIns="91425" anchor="t" anchorCtr="0">
-            <a:noAutofit/>
-          </a:bodyPr>
-          <a:lstStyle/>
-          <a:p>
-            <a:pPr marL="0" lvl="0" indent="0" algn="l" rtl="0">
-              <a:spcBef>
-                <a:spcPts val="600"/>
-              </a:spcBef>
-              <a:spcAft>
-                <a:spcPts val="0"/>
-              </a:spcAft>
-              <a:buNone/>
-            </a:pPr>
-            <a:r>
-              <a:rPr lang="en" b="1"/>
-              <a:t>Red</a:t>
-            </a:r>
-            <a:endParaRPr b="1"/>
-          </a:p>
-          <a:p>
-            <a:pPr marL="0" lvl="0" indent="0" algn="l" rtl="0">
-              <a:spcBef>
-                <a:spcPts val="600"/>
-              </a:spcBef>
-              <a:spcAft>
-                <a:spcPts val="0"/>
-              </a:spcAft>
-              <a:buNone/>
-            </a:pPr>
-            <a:r>
-              <a:rPr lang="en"/>
-              <a:t>Is the color of blood, and because of this it has historically been associated with sacrifice, danger and courage. </a:t>
-            </a:r>
-            <a:endParaRPr/>
-          </a:p>
-          <a:p>
-            <a:pPr marL="0" lvl="0" indent="0" algn="l" rtl="0">
-              <a:spcBef>
-                <a:spcPts val="600"/>
-              </a:spcBef>
-              <a:spcAft>
-                <a:spcPts val="0"/>
-              </a:spcAft>
-              <a:buNone/>
-            </a:pPr>
-            <a:endParaRPr/>
-          </a:p>
-        </p:txBody>
-      </p:sp>
       <p:sp>
         <p:nvSpPr>
           <p:cNvPr id="180" name="Google Shape;180;p22"/>
@@ -14024,6 +13810,36 @@
           </a:p>
         </p:txBody>
       </p:sp>
+      <p:pic>
+        <p:nvPicPr>
+          <p:cNvPr id="6" name="Picture 5"/>
+          <p:cNvPicPr>
+            <a:picLocks noChangeAspect="1"/>
+          </p:cNvPicPr>
+          <p:nvPr/>
+        </p:nvPicPr>
+        <p:blipFill>
+          <a:blip r:embed="rId3">
+            <a:extLst>
+              <a:ext uri="{28A0092B-C50C-407E-A947-70E740481C1C}">
+                <a14:useLocalDpi xmlns:a14="http://schemas.microsoft.com/office/drawing/2010/main" val="0"/>
+              </a:ext>
+            </a:extLst>
+          </a:blip>
+          <a:stretch>
+            <a:fillRect/>
+          </a:stretch>
+        </p:blipFill>
+        <p:spPr>
+          <a:xfrm>
+            <a:off x="0" y="-49"/>
+            <a:ext cx="8791361" cy="5143500"/>
+          </a:xfrm>
+          <a:prstGeom prst="rect">
+            <a:avLst/>
+          </a:prstGeom>
+        </p:spPr>
+      </p:pic>
     </p:spTree>
     <p:extLst>
       <p:ext uri="{BB962C8B-B14F-4D97-AF65-F5344CB8AC3E}">
@@ -14034,6 +13850,13 @@
   <p:clrMapOvr>
     <a:masterClrMapping/>
   </p:clrMapOvr>
+  <p:timing>
+    <p:tnLst>
+      <p:par>
+        <p:cTn id="1" dur="indefinite" restart="never" nodeType="tmRoot"/>
+      </p:par>
+    </p:tnLst>
+  </p:timing>
 </p:sld>
 </file>
 
@@ -14160,6 +13983,13 @@
   <p:clrMapOvr>
     <a:masterClrMapping/>
   </p:clrMapOvr>
+  <p:timing>
+    <p:tnLst>
+      <p:par>
+        <p:cTn id="1" dur="indefinite" restart="never" nodeType="tmRoot"/>
+      </p:par>
+    </p:tnLst>
+  </p:timing>
 </p:sld>
 </file>
 
@@ -14205,7 +14035,7 @@
         </p:nvSpPr>
         <p:spPr>
           <a:xfrm>
-            <a:off x="4320075" y="664625"/>
+            <a:off x="4320075" y="263933"/>
             <a:ext cx="4366800" cy="690900"/>
           </a:xfrm>
           <a:prstGeom prst="rect">
@@ -14247,7 +14077,7 @@
         </p:nvSpPr>
         <p:spPr>
           <a:xfrm>
-            <a:off x="4320075" y="1465582"/>
+            <a:off x="4320075" y="954833"/>
             <a:ext cx="4366800" cy="3001500"/>
           </a:xfrm>
           <a:prstGeom prst="rect">
@@ -14271,31 +14101,94 @@
               <a:buChar char="⊷"/>
             </a:pPr>
             <a:r>
-              <a:rPr lang="en" dirty="0"/>
+              <a:rPr lang="en" sz="1800" dirty="0"/>
               <a:t>Farmers can have their desired land. </a:t>
             </a:r>
           </a:p>
           <a:p>
             <a:pPr lvl="0"/>
             <a:r>
-              <a:rPr lang="en-IN" dirty="0"/>
+              <a:rPr lang="en-IN" sz="1800" dirty="0"/>
               <a:t>Farmers can lease/buy machinery.</a:t>
             </a:r>
           </a:p>
           <a:p>
             <a:pPr lvl="0"/>
             <a:r>
-              <a:rPr lang="en-IN" dirty="0"/>
-              <a:t>Easy transaction between stake </a:t>
+              <a:rPr lang="en-IN" sz="1800" dirty="0"/>
+              <a:t>Easy transaction between stake holders</a:t>
             </a:r>
             <a:r>
-              <a:rPr lang="en-IN"/>
-              <a:t>holders.</a:t>
+              <a:rPr lang="en-IN" sz="1800" dirty="0" smtClean="0"/>
+              <a:t>.</a:t>
             </a:r>
           </a:p>
           <a:p>
             <a:pPr lvl="0"/>
-            <a:endParaRPr dirty="0"/>
+            <a:r>
+              <a:rPr lang="en-IN" sz="1800" dirty="0" smtClean="0"/>
+              <a:t>Instant slot booking for </a:t>
+            </a:r>
+            <a:r>
+              <a:rPr lang="en-IN" sz="1800" dirty="0" err="1" smtClean="0"/>
+              <a:t>mandi’s</a:t>
+            </a:r>
+            <a:r>
+              <a:rPr lang="en-IN" sz="1800" dirty="0" smtClean="0"/>
+              <a:t>.</a:t>
+            </a:r>
+          </a:p>
+          <a:p>
+            <a:pPr lvl="0"/>
+            <a:r>
+              <a:rPr lang="en-US" sz="1800" dirty="0"/>
+              <a:t>A roof for the farmers to know all the government scheme.</a:t>
+            </a:r>
+            <a:endParaRPr lang="en-IN" sz="1800" dirty="0" smtClean="0"/>
+          </a:p>
+          <a:p>
+            <a:pPr lvl="0"/>
+            <a:r>
+              <a:rPr lang="en-IN" sz="1800" dirty="0" smtClean="0"/>
+              <a:t>A clear work flow between the stakeholders</a:t>
+            </a:r>
+          </a:p>
+          <a:p>
+            <a:pPr lvl="1"/>
+            <a:r>
+              <a:rPr lang="en-IN" sz="1500" dirty="0" smtClean="0"/>
+              <a:t>Farmer</a:t>
+            </a:r>
+          </a:p>
+          <a:p>
+            <a:pPr lvl="1"/>
+            <a:r>
+              <a:rPr lang="en-IN" sz="1500" dirty="0" smtClean="0"/>
+              <a:t>Landlord</a:t>
+            </a:r>
+          </a:p>
+          <a:p>
+            <a:pPr lvl="1"/>
+            <a:r>
+              <a:rPr lang="en-IN" sz="1500" dirty="0" err="1" smtClean="0"/>
+              <a:t>Mandi</a:t>
+            </a:r>
+            <a:endParaRPr lang="en-IN" sz="1500" dirty="0" smtClean="0"/>
+          </a:p>
+          <a:p>
+            <a:pPr lvl="1"/>
+            <a:r>
+              <a:rPr lang="en-IN" sz="1500" dirty="0" smtClean="0"/>
+              <a:t>Retailer</a:t>
+            </a:r>
+          </a:p>
+          <a:p>
+            <a:pPr lvl="0"/>
+            <a:endParaRPr lang="en-IN" sz="1800" dirty="0"/>
+          </a:p>
+          <a:p>
+            <a:pPr lvl="0"/>
+            <a:endParaRPr sz="1800" dirty="0"/>
           </a:p>
         </p:txBody>
       </p:sp>
@@ -14346,6 +14239,13 @@
   <p:clrMapOvr>
     <a:masterClrMapping/>
   </p:clrMapOvr>
+  <p:timing>
+    <p:tnLst>
+      <p:par>
+        <p:cTn id="1" dur="indefinite" restart="never" nodeType="tmRoot"/>
+      </p:par>
+    </p:tnLst>
+  </p:timing>
 </p:sld>
 </file>
 
@@ -14472,6 +14372,13 @@
   <p:clrMapOvr>
     <a:masterClrMapping/>
   </p:clrMapOvr>
+  <p:timing>
+    <p:tnLst>
+      <p:par>
+        <p:cTn id="1" dur="indefinite" restart="never" nodeType="tmRoot"/>
+      </p:par>
+    </p:tnLst>
+  </p:timing>
 </p:sld>
 </file>
 
@@ -14693,6 +14600,13 @@
   <p:clrMapOvr>
     <a:masterClrMapping/>
   </p:clrMapOvr>
+  <p:timing>
+    <p:tnLst>
+      <p:par>
+        <p:cTn id="1" dur="indefinite" restart="never" nodeType="tmRoot"/>
+      </p:par>
+    </p:tnLst>
+  </p:timing>
 </p:sld>
 </file>
 
@@ -14916,6 +14830,13 @@
   <p:clrMapOvr>
     <a:masterClrMapping/>
   </p:clrMapOvr>
+  <p:timing>
+    <p:tnLst>
+      <p:par>
+        <p:cTn id="1" dur="indefinite" restart="never" nodeType="tmRoot"/>
+      </p:par>
+    </p:tnLst>
+  </p:timing>
 </p:sld>
 </file>
 

--- a/Kishan Bhandu.pptx
+++ b/Kishan Bhandu.pptx
@@ -14077,7 +14077,7 @@
         </p:nvSpPr>
         <p:spPr>
           <a:xfrm>
-            <a:off x="4320075" y="954833"/>
+            <a:off x="4320075" y="834063"/>
             <a:ext cx="4366800" cy="3001500"/>
           </a:xfrm>
           <a:prstGeom prst="rect">
@@ -14109,8 +14109,20 @@
             <a:pPr lvl="0"/>
             <a:r>
               <a:rPr lang="en-IN" sz="1800" dirty="0"/>
-              <a:t>Farmers can lease/buy machinery.</a:t>
+              <a:t>Farmers can lease/buy machinery</a:t>
             </a:r>
+            <a:r>
+              <a:rPr lang="en-IN" sz="1800" dirty="0" smtClean="0"/>
+              <a:t>.</a:t>
+            </a:r>
+          </a:p>
+          <a:p>
+            <a:pPr lvl="0"/>
+            <a:r>
+              <a:rPr lang="en-IN" sz="1800" dirty="0" smtClean="0"/>
+              <a:t>7day Weather forecast</a:t>
+            </a:r>
+            <a:endParaRPr lang="en-IN" sz="1800" dirty="0"/>
           </a:p>
           <a:p>
             <a:pPr lvl="0"/>
